--- a/Fixation_plots/fixation_Plots.pptx
+++ b/Fixation_plots/fixation_Plots.pptx
@@ -262,7 +262,7 @@
           <a:p>
             <a:fld id="{944428A2-E763-1E4B-9853-978035038482}" type="datetimeFigureOut">
               <a:rPr lang="en-US" smtClean="0"/>
-              <a:t>5/20/22</a:t>
+              <a:t>5/25/22</a:t>
             </a:fld>
             <a:endParaRPr lang="en-US"/>
           </a:p>
@@ -460,7 +460,7 @@
           <a:p>
             <a:fld id="{944428A2-E763-1E4B-9853-978035038482}" type="datetimeFigureOut">
               <a:rPr lang="en-US" smtClean="0"/>
-              <a:t>5/20/22</a:t>
+              <a:t>5/25/22</a:t>
             </a:fld>
             <a:endParaRPr lang="en-US"/>
           </a:p>
@@ -668,7 +668,7 @@
           <a:p>
             <a:fld id="{944428A2-E763-1E4B-9853-978035038482}" type="datetimeFigureOut">
               <a:rPr lang="en-US" smtClean="0"/>
-              <a:t>5/20/22</a:t>
+              <a:t>5/25/22</a:t>
             </a:fld>
             <a:endParaRPr lang="en-US"/>
           </a:p>
@@ -866,7 +866,7 @@
           <a:p>
             <a:fld id="{944428A2-E763-1E4B-9853-978035038482}" type="datetimeFigureOut">
               <a:rPr lang="en-US" smtClean="0"/>
-              <a:t>5/20/22</a:t>
+              <a:t>5/25/22</a:t>
             </a:fld>
             <a:endParaRPr lang="en-US"/>
           </a:p>
@@ -1141,7 +1141,7 @@
           <a:p>
             <a:fld id="{944428A2-E763-1E4B-9853-978035038482}" type="datetimeFigureOut">
               <a:rPr lang="en-US" smtClean="0"/>
-              <a:t>5/20/22</a:t>
+              <a:t>5/25/22</a:t>
             </a:fld>
             <a:endParaRPr lang="en-US"/>
           </a:p>
@@ -1406,7 +1406,7 @@
           <a:p>
             <a:fld id="{944428A2-E763-1E4B-9853-978035038482}" type="datetimeFigureOut">
               <a:rPr lang="en-US" smtClean="0"/>
-              <a:t>5/20/22</a:t>
+              <a:t>5/25/22</a:t>
             </a:fld>
             <a:endParaRPr lang="en-US"/>
           </a:p>
@@ -1818,7 +1818,7 @@
           <a:p>
             <a:fld id="{944428A2-E763-1E4B-9853-978035038482}" type="datetimeFigureOut">
               <a:rPr lang="en-US" smtClean="0"/>
-              <a:t>5/20/22</a:t>
+              <a:t>5/25/22</a:t>
             </a:fld>
             <a:endParaRPr lang="en-US"/>
           </a:p>
@@ -1959,7 +1959,7 @@
           <a:p>
             <a:fld id="{944428A2-E763-1E4B-9853-978035038482}" type="datetimeFigureOut">
               <a:rPr lang="en-US" smtClean="0"/>
-              <a:t>5/20/22</a:t>
+              <a:t>5/25/22</a:t>
             </a:fld>
             <a:endParaRPr lang="en-US"/>
           </a:p>
@@ -2072,7 +2072,7 @@
           <a:p>
             <a:fld id="{944428A2-E763-1E4B-9853-978035038482}" type="datetimeFigureOut">
               <a:rPr lang="en-US" smtClean="0"/>
-              <a:t>5/20/22</a:t>
+              <a:t>5/25/22</a:t>
             </a:fld>
             <a:endParaRPr lang="en-US"/>
           </a:p>
@@ -2383,7 +2383,7 @@
           <a:p>
             <a:fld id="{944428A2-E763-1E4B-9853-978035038482}" type="datetimeFigureOut">
               <a:rPr lang="en-US" smtClean="0"/>
-              <a:t>5/20/22</a:t>
+              <a:t>5/25/22</a:t>
             </a:fld>
             <a:endParaRPr lang="en-US"/>
           </a:p>
@@ -2671,7 +2671,7 @@
           <a:p>
             <a:fld id="{944428A2-E763-1E4B-9853-978035038482}" type="datetimeFigureOut">
               <a:rPr lang="en-US" smtClean="0"/>
-              <a:t>5/20/22</a:t>
+              <a:t>5/25/22</a:t>
             </a:fld>
             <a:endParaRPr lang="en-US"/>
           </a:p>
@@ -2912,7 +2912,7 @@
           <a:p>
             <a:fld id="{944428A2-E763-1E4B-9853-978035038482}" type="datetimeFigureOut">
               <a:rPr lang="en-US" smtClean="0"/>
-              <a:t>5/20/22</a:t>
+              <a:t>5/25/22</a:t>
             </a:fld>
             <a:endParaRPr lang="en-US"/>
           </a:p>
@@ -3331,10 +3331,10 @@
       </p:grpSpPr>
       <p:pic>
         <p:nvPicPr>
-          <p:cNvPr id="3" name="Picture 2" descr="Chart, line chart&#10;&#10;Description automatically generated">
-            <a:extLst>
-              <a:ext uri="{FF2B5EF4-FFF2-40B4-BE49-F238E27FC236}">
-                <a16:creationId xmlns:a16="http://schemas.microsoft.com/office/drawing/2014/main" id="{471B88D1-3A36-F6A2-2CF5-615F4E3F00CD}"/>
+          <p:cNvPr id="5" name="Picture 4">
+            <a:extLst>
+              <a:ext uri="{FF2B5EF4-FFF2-40B4-BE49-F238E27FC236}">
+                <a16:creationId xmlns:a16="http://schemas.microsoft.com/office/drawing/2014/main" id="{378D8DBD-A37D-2BA2-E7FB-250E6ADC9CA2}"/>
               </a:ext>
             </a:extLst>
           </p:cNvPr>
@@ -3351,8 +3351,8 @@
         </p:blipFill>
         <p:spPr>
           <a:xfrm>
-            <a:off x="820615" y="0"/>
-            <a:ext cx="10550769" cy="6858000"/>
+            <a:off x="1933433" y="0"/>
+            <a:ext cx="8325134" cy="6858000"/>
           </a:xfrm>
           <a:prstGeom prst="rect">
             <a:avLst/>
@@ -3391,10 +3391,10 @@
       </p:grpSpPr>
       <p:pic>
         <p:nvPicPr>
-          <p:cNvPr id="3" name="Picture 2" descr="Chart, box and whisker chart&#10;&#10;Description automatically generated">
-            <a:extLst>
-              <a:ext uri="{FF2B5EF4-FFF2-40B4-BE49-F238E27FC236}">
-                <a16:creationId xmlns:a16="http://schemas.microsoft.com/office/drawing/2014/main" id="{BD9CABA4-77C1-22B9-E598-12E057FF933B}"/>
+          <p:cNvPr id="8" name="Picture 7" descr="Chart, bar chart&#10;&#10;Description automatically generated">
+            <a:extLst>
+              <a:ext uri="{FF2B5EF4-FFF2-40B4-BE49-F238E27FC236}">
+                <a16:creationId xmlns:a16="http://schemas.microsoft.com/office/drawing/2014/main" id="{E808AC12-FB56-9138-FF2D-317EDBB9E58E}"/>
               </a:ext>
             </a:extLst>
           </p:cNvPr>
@@ -3411,8 +3411,8 @@
         </p:blipFill>
         <p:spPr>
           <a:xfrm>
-            <a:off x="820615" y="0"/>
-            <a:ext cx="10550769" cy="6858000"/>
+            <a:off x="1933433" y="0"/>
+            <a:ext cx="8325134" cy="6858000"/>
           </a:xfrm>
           <a:prstGeom prst="rect">
             <a:avLst/>
@@ -3451,10 +3451,10 @@
       </p:grpSpPr>
       <p:pic>
         <p:nvPicPr>
-          <p:cNvPr id="4" name="Picture 3" descr="Chart, line chart&#10;&#10;Description automatically generated">
-            <a:extLst>
-              <a:ext uri="{FF2B5EF4-FFF2-40B4-BE49-F238E27FC236}">
-                <a16:creationId xmlns:a16="http://schemas.microsoft.com/office/drawing/2014/main" id="{529EE528-D478-A681-23C0-E31AF0C1BB6A}"/>
+          <p:cNvPr id="6" name="Picture 5">
+            <a:extLst>
+              <a:ext uri="{FF2B5EF4-FFF2-40B4-BE49-F238E27FC236}">
+                <a16:creationId xmlns:a16="http://schemas.microsoft.com/office/drawing/2014/main" id="{7166DA0F-97DC-2E78-4C1F-57E11959E4FF}"/>
               </a:ext>
             </a:extLst>
           </p:cNvPr>
@@ -3471,8 +3471,8 @@
         </p:blipFill>
         <p:spPr>
           <a:xfrm>
-            <a:off x="820615" y="0"/>
-            <a:ext cx="10550769" cy="6858000"/>
+            <a:off x="1933433" y="0"/>
+            <a:ext cx="8325134" cy="6858000"/>
           </a:xfrm>
           <a:prstGeom prst="rect">
             <a:avLst/>
@@ -3511,10 +3511,10 @@
       </p:grpSpPr>
       <p:pic>
         <p:nvPicPr>
-          <p:cNvPr id="4" name="Picture 3" descr="Chart, line chart&#10;&#10;Description automatically generated">
-            <a:extLst>
-              <a:ext uri="{FF2B5EF4-FFF2-40B4-BE49-F238E27FC236}">
-                <a16:creationId xmlns:a16="http://schemas.microsoft.com/office/drawing/2014/main" id="{6FA1519E-5C45-9B26-F476-6D039518D9DA}"/>
+          <p:cNvPr id="6" name="Picture 5" descr="Chart, line chart&#10;&#10;Description automatically generated">
+            <a:extLst>
+              <a:ext uri="{FF2B5EF4-FFF2-40B4-BE49-F238E27FC236}">
+                <a16:creationId xmlns:a16="http://schemas.microsoft.com/office/drawing/2014/main" id="{2A3DE3B6-EA15-4332-DED1-CD9668FA8340}"/>
               </a:ext>
             </a:extLst>
           </p:cNvPr>
@@ -3531,8 +3531,8 @@
         </p:blipFill>
         <p:spPr>
           <a:xfrm>
-            <a:off x="820615" y="0"/>
-            <a:ext cx="10550769" cy="6858000"/>
+            <a:off x="1933433" y="0"/>
+            <a:ext cx="8325134" cy="6858000"/>
           </a:xfrm>
           <a:prstGeom prst="rect">
             <a:avLst/>
